--- a/ppt/DB 아키텍처.pptx
+++ b/ppt/DB 아키텍처.pptx
@@ -5,7 +5,7 @@
     <p:sldMasterId id="2147483648" r:id="rId1"/>
   </p:sldMasterIdLst>
   <p:notesMasterIdLst>
-    <p:notesMasterId r:id="rId19"/>
+    <p:notesMasterId r:id="rId20"/>
   </p:notesMasterIdLst>
   <p:sldIdLst>
     <p:sldId id="262" r:id="rId2"/>
@@ -25,6 +25,7 @@
     <p:sldId id="282" r:id="rId16"/>
     <p:sldId id="283" r:id="rId17"/>
     <p:sldId id="261" r:id="rId18"/>
+    <p:sldId id="284" r:id="rId19"/>
   </p:sldIdLst>
   <p:sldSz cx="12192000" cy="6858000"/>
   <p:notesSz cx="6858000" cy="9144000"/>
@@ -2940,7 +2941,7 @@
           <a:p>
             <a:fld id="{205AC581-ED6E-4328-9EB2-D7A2C52BF47E}" type="datetimeFigureOut">
               <a:rPr lang="en-US" smtClean="0"/>
-              <a:t>12/23/2024</a:t>
+              <a:t>2/3/2025</a:t>
             </a:fld>
             <a:endParaRPr lang="en-US"/>
           </a:p>
@@ -3717,7 +3718,7 @@
           <a:p>
             <a:fld id="{D46F86B2-4714-43A6-BC8F-7036A81340BC}" type="datetimeFigureOut">
               <a:rPr lang="en-US" smtClean="0"/>
-              <a:t>12/23/2024</a:t>
+              <a:t>2/3/2025</a:t>
             </a:fld>
             <a:endParaRPr lang="en-US"/>
           </a:p>
@@ -3917,7 +3918,7 @@
           <a:p>
             <a:fld id="{D46F86B2-4714-43A6-BC8F-7036A81340BC}" type="datetimeFigureOut">
               <a:rPr lang="en-US" smtClean="0"/>
-              <a:t>12/23/2024</a:t>
+              <a:t>2/3/2025</a:t>
             </a:fld>
             <a:endParaRPr lang="en-US"/>
           </a:p>
@@ -4127,7 +4128,7 @@
           <a:p>
             <a:fld id="{D46F86B2-4714-43A6-BC8F-7036A81340BC}" type="datetimeFigureOut">
               <a:rPr lang="en-US" smtClean="0"/>
-              <a:t>12/23/2024</a:t>
+              <a:t>2/3/2025</a:t>
             </a:fld>
             <a:endParaRPr lang="en-US"/>
           </a:p>
@@ -4327,7 +4328,7 @@
           <a:p>
             <a:fld id="{D46F86B2-4714-43A6-BC8F-7036A81340BC}" type="datetimeFigureOut">
               <a:rPr lang="en-US" smtClean="0"/>
-              <a:t>12/23/2024</a:t>
+              <a:t>2/3/2025</a:t>
             </a:fld>
             <a:endParaRPr lang="en-US"/>
           </a:p>
@@ -4603,7 +4604,7 @@
           <a:p>
             <a:fld id="{D46F86B2-4714-43A6-BC8F-7036A81340BC}" type="datetimeFigureOut">
               <a:rPr lang="en-US" smtClean="0"/>
-              <a:t>12/23/2024</a:t>
+              <a:t>2/3/2025</a:t>
             </a:fld>
             <a:endParaRPr lang="en-US"/>
           </a:p>
@@ -4871,7 +4872,7 @@
           <a:p>
             <a:fld id="{D46F86B2-4714-43A6-BC8F-7036A81340BC}" type="datetimeFigureOut">
               <a:rPr lang="en-US" smtClean="0"/>
-              <a:t>12/23/2024</a:t>
+              <a:t>2/3/2025</a:t>
             </a:fld>
             <a:endParaRPr lang="en-US"/>
           </a:p>
@@ -5286,7 +5287,7 @@
           <a:p>
             <a:fld id="{D46F86B2-4714-43A6-BC8F-7036A81340BC}" type="datetimeFigureOut">
               <a:rPr lang="en-US" smtClean="0"/>
-              <a:t>12/23/2024</a:t>
+              <a:t>2/3/2025</a:t>
             </a:fld>
             <a:endParaRPr lang="en-US"/>
           </a:p>
@@ -5428,7 +5429,7 @@
           <a:p>
             <a:fld id="{D46F86B2-4714-43A6-BC8F-7036A81340BC}" type="datetimeFigureOut">
               <a:rPr lang="en-US" smtClean="0"/>
-              <a:t>12/23/2024</a:t>
+              <a:t>2/3/2025</a:t>
             </a:fld>
             <a:endParaRPr lang="en-US"/>
           </a:p>
@@ -5541,7 +5542,7 @@
           <a:p>
             <a:fld id="{D46F86B2-4714-43A6-BC8F-7036A81340BC}" type="datetimeFigureOut">
               <a:rPr lang="en-US" smtClean="0"/>
-              <a:t>12/23/2024</a:t>
+              <a:t>2/3/2025</a:t>
             </a:fld>
             <a:endParaRPr lang="en-US"/>
           </a:p>
@@ -5854,7 +5855,7 @@
           <a:p>
             <a:fld id="{D46F86B2-4714-43A6-BC8F-7036A81340BC}" type="datetimeFigureOut">
               <a:rPr lang="en-US" smtClean="0"/>
-              <a:t>12/23/2024</a:t>
+              <a:t>2/3/2025</a:t>
             </a:fld>
             <a:endParaRPr lang="en-US"/>
           </a:p>
@@ -6143,7 +6144,7 @@
           <a:p>
             <a:fld id="{D46F86B2-4714-43A6-BC8F-7036A81340BC}" type="datetimeFigureOut">
               <a:rPr lang="en-US" smtClean="0"/>
-              <a:t>12/23/2024</a:t>
+              <a:t>2/3/2025</a:t>
             </a:fld>
             <a:endParaRPr lang="en-US"/>
           </a:p>
@@ -6386,7 +6387,7 @@
           <a:p>
             <a:fld id="{D46F86B2-4714-43A6-BC8F-7036A81340BC}" type="datetimeFigureOut">
               <a:rPr lang="en-US" smtClean="0"/>
-              <a:t>12/23/2024</a:t>
+              <a:t>2/3/2025</a:t>
             </a:fld>
             <a:endParaRPr lang="en-US"/>
           </a:p>
@@ -17569,6 +17570,964 @@
     <p:extLst>
       <p:ext uri="{BB962C8B-B14F-4D97-AF65-F5344CB8AC3E}">
         <p14:creationId xmlns:p14="http://schemas.microsoft.com/office/powerpoint/2010/main" val="3038347933"/>
+      </p:ext>
+    </p:extLst>
+  </p:cSld>
+  <p:clrMapOvr>
+    <a:masterClrMapping/>
+  </p:clrMapOvr>
+</p:sld>
+</file>
+
+<file path=ppt/slides/slide18.xml><?xml version="1.0" encoding="utf-8"?>
+<p:sld xmlns:a="http://schemas.openxmlformats.org/drawingml/2006/main" xmlns:r="http://schemas.openxmlformats.org/officeDocument/2006/relationships" xmlns:p="http://schemas.openxmlformats.org/presentationml/2006/main">
+  <p:cSld>
+    <p:spTree>
+      <p:nvGrpSpPr>
+        <p:cNvPr id="1" name="">
+          <a:extLst>
+            <a:ext uri="{FF2B5EF4-FFF2-40B4-BE49-F238E27FC236}">
+              <a16:creationId xmlns:a16="http://schemas.microsoft.com/office/drawing/2014/main" id="{7BD7F99C-E5D3-6ECE-F469-0444625F8C71}"/>
+            </a:ext>
+          </a:extLst>
+        </p:cNvPr>
+        <p:cNvGrpSpPr/>
+        <p:nvPr/>
+      </p:nvGrpSpPr>
+      <p:grpSpPr>
+        <a:xfrm>
+          <a:off x="0" y="0"/>
+          <a:ext cx="0" cy="0"/>
+          <a:chOff x="0" y="0"/>
+          <a:chExt cx="0" cy="0"/>
+        </a:xfrm>
+      </p:grpSpPr>
+      <p:sp>
+        <p:nvSpPr>
+          <p:cNvPr id="8" name="직사각형 7">
+            <a:extLst>
+              <a:ext uri="{FF2B5EF4-FFF2-40B4-BE49-F238E27FC236}">
+                <a16:creationId xmlns:a16="http://schemas.microsoft.com/office/drawing/2014/main" id="{185C8F8F-BDA7-FDA6-ABA0-8F6BBBB83529}"/>
+              </a:ext>
+            </a:extLst>
+          </p:cNvPr>
+          <p:cNvSpPr/>
+          <p:nvPr/>
+        </p:nvSpPr>
+        <p:spPr>
+          <a:xfrm>
+            <a:off x="2575272" y="926729"/>
+            <a:ext cx="7303166" cy="4927343"/>
+          </a:xfrm>
+          <a:prstGeom prst="rect">
+            <a:avLst/>
+          </a:prstGeom>
+        </p:spPr>
+        <p:style>
+          <a:lnRef idx="2">
+            <a:schemeClr val="accent2"/>
+          </a:lnRef>
+          <a:fillRef idx="1">
+            <a:schemeClr val="lt1"/>
+          </a:fillRef>
+          <a:effectRef idx="0">
+            <a:schemeClr val="accent2"/>
+          </a:effectRef>
+          <a:fontRef idx="minor">
+            <a:schemeClr val="dk1"/>
+          </a:fontRef>
+        </p:style>
+        <p:txBody>
+          <a:bodyPr rtlCol="0" anchor="ctr"/>
+          <a:lstStyle/>
+          <a:p>
+            <a:pPr algn="ctr"/>
+            <a:endParaRPr lang="en-US" dirty="0"/>
+          </a:p>
+        </p:txBody>
+      </p:sp>
+      <p:sp>
+        <p:nvSpPr>
+          <p:cNvPr id="9" name="직사각형 8">
+            <a:extLst>
+              <a:ext uri="{FF2B5EF4-FFF2-40B4-BE49-F238E27FC236}">
+                <a16:creationId xmlns:a16="http://schemas.microsoft.com/office/drawing/2014/main" id="{16638DC2-FC17-F2A7-D30B-B4F9E7765FAA}"/>
+              </a:ext>
+            </a:extLst>
+          </p:cNvPr>
+          <p:cNvSpPr/>
+          <p:nvPr/>
+        </p:nvSpPr>
+        <p:spPr>
+          <a:xfrm>
+            <a:off x="2575270" y="926730"/>
+            <a:ext cx="7303165" cy="607554"/>
+          </a:xfrm>
+          <a:prstGeom prst="rect">
+            <a:avLst/>
+          </a:prstGeom>
+          <a:solidFill>
+            <a:schemeClr val="accent2">
+              <a:lumMod val="40000"/>
+              <a:lumOff val="60000"/>
+            </a:schemeClr>
+          </a:solidFill>
+        </p:spPr>
+        <p:style>
+          <a:lnRef idx="2">
+            <a:schemeClr val="accent2"/>
+          </a:lnRef>
+          <a:fillRef idx="1">
+            <a:schemeClr val="lt1"/>
+          </a:fillRef>
+          <a:effectRef idx="0">
+            <a:schemeClr val="accent2"/>
+          </a:effectRef>
+          <a:fontRef idx="minor">
+            <a:schemeClr val="dk1"/>
+          </a:fontRef>
+        </p:style>
+        <p:txBody>
+          <a:bodyPr rtlCol="0" anchor="ctr"/>
+          <a:lstStyle/>
+          <a:p>
+            <a:pPr algn="ctr"/>
+            <a:r>
+              <a:rPr lang="en-US" dirty="0"/>
+              <a:t>DB</a:t>
+            </a:r>
+          </a:p>
+        </p:txBody>
+      </p:sp>
+      <p:sp>
+        <p:nvSpPr>
+          <p:cNvPr id="31" name="화살표: 오른쪽 30">
+            <a:extLst>
+              <a:ext uri="{FF2B5EF4-FFF2-40B4-BE49-F238E27FC236}">
+                <a16:creationId xmlns:a16="http://schemas.microsoft.com/office/drawing/2014/main" id="{00E9534B-9AD1-5D13-5513-1D9F1AD108B5}"/>
+              </a:ext>
+            </a:extLst>
+          </p:cNvPr>
+          <p:cNvSpPr/>
+          <p:nvPr/>
+        </p:nvSpPr>
+        <p:spPr>
+          <a:xfrm>
+            <a:off x="2895755" y="1788382"/>
+            <a:ext cx="2690012" cy="1138029"/>
+          </a:xfrm>
+          <a:prstGeom prst="rightArrow">
+            <a:avLst>
+              <a:gd name="adj1" fmla="val 100000"/>
+              <a:gd name="adj2" fmla="val 40535"/>
+            </a:avLst>
+          </a:prstGeom>
+        </p:spPr>
+        <p:style>
+          <a:lnRef idx="2">
+            <a:schemeClr val="accent1"/>
+          </a:lnRef>
+          <a:fillRef idx="1">
+            <a:schemeClr val="lt1"/>
+          </a:fillRef>
+          <a:effectRef idx="0">
+            <a:schemeClr val="accent1"/>
+          </a:effectRef>
+          <a:fontRef idx="minor">
+            <a:schemeClr val="dk1"/>
+          </a:fontRef>
+        </p:style>
+        <p:txBody>
+          <a:bodyPr rtlCol="0" anchor="ctr"/>
+          <a:lstStyle/>
+          <a:p>
+            <a:pPr algn="ctr"/>
+            <a:r>
+              <a:rPr lang="en-US" dirty="0"/>
+              <a:t>In Queue</a:t>
+            </a:r>
+          </a:p>
+        </p:txBody>
+      </p:sp>
+      <p:sp>
+        <p:nvSpPr>
+          <p:cNvPr id="33" name="화살표: 왼쪽 32">
+            <a:extLst>
+              <a:ext uri="{FF2B5EF4-FFF2-40B4-BE49-F238E27FC236}">
+                <a16:creationId xmlns:a16="http://schemas.microsoft.com/office/drawing/2014/main" id="{3B7D4B0C-2806-80EA-B23D-CB07C71FD243}"/>
+              </a:ext>
+            </a:extLst>
+          </p:cNvPr>
+          <p:cNvSpPr/>
+          <p:nvPr/>
+        </p:nvSpPr>
+        <p:spPr>
+          <a:xfrm>
+            <a:off x="2711343" y="3105495"/>
+            <a:ext cx="2690012" cy="1137168"/>
+          </a:xfrm>
+          <a:prstGeom prst="leftArrow">
+            <a:avLst>
+              <a:gd name="adj1" fmla="val 100000"/>
+              <a:gd name="adj2" fmla="val 50302"/>
+            </a:avLst>
+          </a:prstGeom>
+        </p:spPr>
+        <p:style>
+          <a:lnRef idx="2">
+            <a:schemeClr val="accent1"/>
+          </a:lnRef>
+          <a:fillRef idx="1">
+            <a:schemeClr val="lt1"/>
+          </a:fillRef>
+          <a:effectRef idx="0">
+            <a:schemeClr val="accent1"/>
+          </a:effectRef>
+          <a:fontRef idx="minor">
+            <a:schemeClr val="dk1"/>
+          </a:fontRef>
+        </p:style>
+        <p:txBody>
+          <a:bodyPr rtlCol="0" anchor="ctr"/>
+          <a:lstStyle/>
+          <a:p>
+            <a:pPr algn="ctr"/>
+            <a:r>
+              <a:rPr lang="en-US"/>
+              <a:t>Out Queue</a:t>
+            </a:r>
+            <a:r>
+              <a:rPr lang="en-US" dirty="0"/>
+              <a:t>(</a:t>
+            </a:r>
+            <a:r>
+              <a:rPr lang="en-US"/>
+              <a:t>f)</a:t>
+            </a:r>
+            <a:endParaRPr lang="en-US" dirty="0"/>
+          </a:p>
+        </p:txBody>
+      </p:sp>
+      <p:sp>
+        <p:nvSpPr>
+          <p:cNvPr id="35" name="화살표: 왼쪽 34">
+            <a:extLst>
+              <a:ext uri="{FF2B5EF4-FFF2-40B4-BE49-F238E27FC236}">
+                <a16:creationId xmlns:a16="http://schemas.microsoft.com/office/drawing/2014/main" id="{CBFB1CAF-E071-7F39-1990-35CB47218EA2}"/>
+              </a:ext>
+            </a:extLst>
+          </p:cNvPr>
+          <p:cNvSpPr/>
+          <p:nvPr/>
+        </p:nvSpPr>
+        <p:spPr>
+          <a:xfrm>
+            <a:off x="2711343" y="4421747"/>
+            <a:ext cx="2690012" cy="1137168"/>
+          </a:xfrm>
+          <a:prstGeom prst="leftArrow">
+            <a:avLst>
+              <a:gd name="adj1" fmla="val 100000"/>
+              <a:gd name="adj2" fmla="val 50302"/>
+            </a:avLst>
+          </a:prstGeom>
+        </p:spPr>
+        <p:style>
+          <a:lnRef idx="2">
+            <a:schemeClr val="accent1"/>
+          </a:lnRef>
+          <a:fillRef idx="1">
+            <a:schemeClr val="lt1"/>
+          </a:fillRef>
+          <a:effectRef idx="0">
+            <a:schemeClr val="accent1"/>
+          </a:effectRef>
+          <a:fontRef idx="minor">
+            <a:schemeClr val="dk1"/>
+          </a:fontRef>
+        </p:style>
+        <p:txBody>
+          <a:bodyPr rtlCol="0" anchor="ctr"/>
+          <a:lstStyle/>
+          <a:p>
+            <a:pPr algn="ctr"/>
+            <a:r>
+              <a:rPr lang="en-US"/>
+              <a:t>Out Queue</a:t>
+            </a:r>
+            <a:r>
+              <a:rPr lang="en-US" dirty="0"/>
+              <a:t>(</a:t>
+            </a:r>
+            <a:r>
+              <a:rPr lang="en-US"/>
+              <a:t>b)</a:t>
+            </a:r>
+            <a:endParaRPr lang="en-US" dirty="0"/>
+          </a:p>
+        </p:txBody>
+      </p:sp>
+      <p:sp>
+        <p:nvSpPr>
+          <p:cNvPr id="21" name="직사각형 20">
+            <a:extLst>
+              <a:ext uri="{FF2B5EF4-FFF2-40B4-BE49-F238E27FC236}">
+                <a16:creationId xmlns:a16="http://schemas.microsoft.com/office/drawing/2014/main" id="{EEC8D742-D1AB-0C66-5A32-A69D3A879348}"/>
+              </a:ext>
+            </a:extLst>
+          </p:cNvPr>
+          <p:cNvSpPr/>
+          <p:nvPr/>
+        </p:nvSpPr>
+        <p:spPr>
+          <a:xfrm>
+            <a:off x="5863126" y="2083538"/>
+            <a:ext cx="2068318" cy="3650101"/>
+          </a:xfrm>
+          <a:prstGeom prst="rect">
+            <a:avLst/>
+          </a:prstGeom>
+        </p:spPr>
+        <p:style>
+          <a:lnRef idx="2">
+            <a:schemeClr val="accent1"/>
+          </a:lnRef>
+          <a:fillRef idx="1">
+            <a:schemeClr val="lt1"/>
+          </a:fillRef>
+          <a:effectRef idx="0">
+            <a:schemeClr val="accent1"/>
+          </a:effectRef>
+          <a:fontRef idx="minor">
+            <a:schemeClr val="dk1"/>
+          </a:fontRef>
+        </p:style>
+        <p:txBody>
+          <a:bodyPr rtlCol="0" anchor="ctr"/>
+          <a:lstStyle/>
+          <a:p>
+            <a:pPr algn="ctr"/>
+            <a:endParaRPr lang="ko-KR" altLang="en-US"/>
+          </a:p>
+        </p:txBody>
+      </p:sp>
+      <p:sp>
+        <p:nvSpPr>
+          <p:cNvPr id="11" name="타원 10">
+            <a:extLst>
+              <a:ext uri="{FF2B5EF4-FFF2-40B4-BE49-F238E27FC236}">
+                <a16:creationId xmlns:a16="http://schemas.microsoft.com/office/drawing/2014/main" id="{F2527B83-1BF7-EBA4-805D-959AB7EB11A2}"/>
+              </a:ext>
+            </a:extLst>
+          </p:cNvPr>
+          <p:cNvSpPr/>
+          <p:nvPr/>
+        </p:nvSpPr>
+        <p:spPr>
+          <a:xfrm>
+            <a:off x="5863125" y="1684639"/>
+            <a:ext cx="2068317" cy="797798"/>
+          </a:xfrm>
+          <a:prstGeom prst="ellipse">
+            <a:avLst/>
+          </a:prstGeom>
+          <a:ln>
+            <a:prstDash val="sysDot"/>
+          </a:ln>
+        </p:spPr>
+        <p:style>
+          <a:lnRef idx="2">
+            <a:schemeClr val="accent1"/>
+          </a:lnRef>
+          <a:fillRef idx="1">
+            <a:schemeClr val="lt1"/>
+          </a:fillRef>
+          <a:effectRef idx="0">
+            <a:schemeClr val="accent1"/>
+          </a:effectRef>
+          <a:fontRef idx="minor">
+            <a:schemeClr val="dk1"/>
+          </a:fontRef>
+        </p:style>
+        <p:txBody>
+          <a:bodyPr rtlCol="0" anchor="ctr"/>
+          <a:lstStyle/>
+          <a:p>
+            <a:pPr algn="ctr"/>
+            <a:r>
+              <a:rPr lang="en-US" dirty="0"/>
+              <a:t>worker</a:t>
+            </a:r>
+          </a:p>
+        </p:txBody>
+      </p:sp>
+      <p:sp>
+        <p:nvSpPr>
+          <p:cNvPr id="22" name="직사각형 21">
+            <a:extLst>
+              <a:ext uri="{FF2B5EF4-FFF2-40B4-BE49-F238E27FC236}">
+                <a16:creationId xmlns:a16="http://schemas.microsoft.com/office/drawing/2014/main" id="{49AC958B-99B5-83FF-257A-A20C482A9FC6}"/>
+              </a:ext>
+            </a:extLst>
+          </p:cNvPr>
+          <p:cNvSpPr/>
+          <p:nvPr/>
+        </p:nvSpPr>
+        <p:spPr>
+          <a:xfrm>
+            <a:off x="6160146" y="3476432"/>
+            <a:ext cx="1500986" cy="547719"/>
+          </a:xfrm>
+          <a:prstGeom prst="rect">
+            <a:avLst/>
+          </a:prstGeom>
+        </p:spPr>
+        <p:style>
+          <a:lnRef idx="2">
+            <a:schemeClr val="accent4"/>
+          </a:lnRef>
+          <a:fillRef idx="1">
+            <a:schemeClr val="lt1"/>
+          </a:fillRef>
+          <a:effectRef idx="0">
+            <a:schemeClr val="accent4"/>
+          </a:effectRef>
+          <a:fontRef idx="minor">
+            <a:schemeClr val="dk1"/>
+          </a:fontRef>
+        </p:style>
+        <p:txBody>
+          <a:bodyPr rtlCol="0" anchor="ctr"/>
+          <a:lstStyle/>
+          <a:p>
+            <a:pPr algn="ctr"/>
+            <a:r>
+              <a:rPr lang="en-US" sz="1400" dirty="0">
+                <a:ln w="0"/>
+                <a:solidFill>
+                  <a:schemeClr val="tx1"/>
+                </a:solidFill>
+              </a:rPr>
+              <a:t>Pop Query</a:t>
+            </a:r>
+          </a:p>
+        </p:txBody>
+      </p:sp>
+      <p:sp>
+        <p:nvSpPr>
+          <p:cNvPr id="23" name="직사각형 22">
+            <a:extLst>
+              <a:ext uri="{FF2B5EF4-FFF2-40B4-BE49-F238E27FC236}">
+                <a16:creationId xmlns:a16="http://schemas.microsoft.com/office/drawing/2014/main" id="{A5A4C6C4-C397-BAD4-97C4-59ADDAA2D85C}"/>
+              </a:ext>
+            </a:extLst>
+          </p:cNvPr>
+          <p:cNvSpPr/>
+          <p:nvPr/>
+        </p:nvSpPr>
+        <p:spPr>
+          <a:xfrm>
+            <a:off x="6160146" y="4978814"/>
+            <a:ext cx="1500986" cy="547719"/>
+          </a:xfrm>
+          <a:prstGeom prst="rect">
+            <a:avLst/>
+          </a:prstGeom>
+        </p:spPr>
+        <p:style>
+          <a:lnRef idx="2">
+            <a:schemeClr val="accent4"/>
+          </a:lnRef>
+          <a:fillRef idx="1">
+            <a:schemeClr val="lt1"/>
+          </a:fillRef>
+          <a:effectRef idx="0">
+            <a:schemeClr val="accent4"/>
+          </a:effectRef>
+          <a:fontRef idx="minor">
+            <a:schemeClr val="dk1"/>
+          </a:fontRef>
+        </p:style>
+        <p:txBody>
+          <a:bodyPr rtlCol="0" anchor="ctr"/>
+          <a:lstStyle/>
+          <a:p>
+            <a:pPr algn="ctr"/>
+            <a:r>
+              <a:rPr lang="en-US" sz="1400" dirty="0">
+                <a:ln w="0"/>
+                <a:solidFill>
+                  <a:schemeClr val="tx1"/>
+                </a:solidFill>
+              </a:rPr>
+              <a:t>Push Result</a:t>
+            </a:r>
+          </a:p>
+        </p:txBody>
+      </p:sp>
+      <p:sp>
+        <p:nvSpPr>
+          <p:cNvPr id="25" name="직사각형 24">
+            <a:extLst>
+              <a:ext uri="{FF2B5EF4-FFF2-40B4-BE49-F238E27FC236}">
+                <a16:creationId xmlns:a16="http://schemas.microsoft.com/office/drawing/2014/main" id="{26EA831A-1FE4-4CFD-6CF5-C33DDAA07AE1}"/>
+              </a:ext>
+            </a:extLst>
+          </p:cNvPr>
+          <p:cNvSpPr/>
+          <p:nvPr/>
+        </p:nvSpPr>
+        <p:spPr>
+          <a:xfrm>
+            <a:off x="6162202" y="2725241"/>
+            <a:ext cx="1500986" cy="547719"/>
+          </a:xfrm>
+          <a:prstGeom prst="rect">
+            <a:avLst/>
+          </a:prstGeom>
+        </p:spPr>
+        <p:style>
+          <a:lnRef idx="2">
+            <a:schemeClr val="accent4"/>
+          </a:lnRef>
+          <a:fillRef idx="1">
+            <a:schemeClr val="lt1"/>
+          </a:fillRef>
+          <a:effectRef idx="0">
+            <a:schemeClr val="accent4"/>
+          </a:effectRef>
+          <a:fontRef idx="minor">
+            <a:schemeClr val="dk1"/>
+          </a:fontRef>
+        </p:style>
+        <p:txBody>
+          <a:bodyPr rtlCol="0" anchor="ctr"/>
+          <a:lstStyle/>
+          <a:p>
+            <a:pPr algn="ctr"/>
+            <a:r>
+              <a:rPr lang="en-US" sz="1400" dirty="0" err="1">
+                <a:ln w="0"/>
+                <a:solidFill>
+                  <a:schemeClr val="tx1"/>
+                </a:solidFill>
+              </a:rPr>
+              <a:t>WaitForEvent</a:t>
+            </a:r>
+            <a:endParaRPr lang="en-US" sz="1400" dirty="0">
+              <a:ln w="0"/>
+              <a:solidFill>
+                <a:schemeClr val="tx1"/>
+              </a:solidFill>
+            </a:endParaRPr>
+          </a:p>
+        </p:txBody>
+      </p:sp>
+      <p:cxnSp>
+        <p:nvCxnSpPr>
+          <p:cNvPr id="26" name="직선 화살표 연결선 25">
+            <a:extLst>
+              <a:ext uri="{FF2B5EF4-FFF2-40B4-BE49-F238E27FC236}">
+                <a16:creationId xmlns:a16="http://schemas.microsoft.com/office/drawing/2014/main" id="{33574472-9A87-2E8B-822C-57113F87596B}"/>
+              </a:ext>
+            </a:extLst>
+          </p:cNvPr>
+          <p:cNvCxnSpPr>
+            <a:stCxn id="25" idx="2"/>
+            <a:endCxn id="22" idx="0"/>
+          </p:cNvCxnSpPr>
+          <p:nvPr/>
+        </p:nvCxnSpPr>
+        <p:spPr>
+          <a:xfrm flipH="1">
+            <a:off x="6910639" y="3272960"/>
+            <a:ext cx="2056" cy="203472"/>
+          </a:xfrm>
+          <a:prstGeom prst="straightConnector1">
+            <a:avLst/>
+          </a:prstGeom>
+          <a:ln>
+            <a:tailEnd type="triangle"/>
+          </a:ln>
+        </p:spPr>
+        <p:style>
+          <a:lnRef idx="2">
+            <a:schemeClr val="dk1"/>
+          </a:lnRef>
+          <a:fillRef idx="0">
+            <a:schemeClr val="dk1"/>
+          </a:fillRef>
+          <a:effectRef idx="1">
+            <a:schemeClr val="dk1"/>
+          </a:effectRef>
+          <a:fontRef idx="minor">
+            <a:schemeClr val="tx1"/>
+          </a:fontRef>
+        </p:style>
+      </p:cxnSp>
+      <p:cxnSp>
+        <p:nvCxnSpPr>
+          <p:cNvPr id="27" name="연결선: 꺾임 26">
+            <a:extLst>
+              <a:ext uri="{FF2B5EF4-FFF2-40B4-BE49-F238E27FC236}">
+                <a16:creationId xmlns:a16="http://schemas.microsoft.com/office/drawing/2014/main" id="{481B8613-BE1C-B46E-603A-0A89BE5D4863}"/>
+              </a:ext>
+            </a:extLst>
+          </p:cNvPr>
+          <p:cNvCxnSpPr>
+            <a:cxnSpLocks/>
+            <a:stCxn id="23" idx="2"/>
+            <a:endCxn id="25" idx="1"/>
+          </p:cNvCxnSpPr>
+          <p:nvPr/>
+        </p:nvCxnSpPr>
+        <p:spPr>
+          <a:xfrm rot="5400000" flipH="1">
+            <a:off x="5272705" y="3888599"/>
+            <a:ext cx="2527432" cy="748437"/>
+          </a:xfrm>
+          <a:prstGeom prst="bentConnector4">
+            <a:avLst>
+              <a:gd name="adj1" fmla="val -6030"/>
+              <a:gd name="adj2" fmla="val 130818"/>
+            </a:avLst>
+          </a:prstGeom>
+          <a:ln>
+            <a:tailEnd type="triangle"/>
+          </a:ln>
+        </p:spPr>
+        <p:style>
+          <a:lnRef idx="2">
+            <a:schemeClr val="dk1"/>
+          </a:lnRef>
+          <a:fillRef idx="0">
+            <a:schemeClr val="dk1"/>
+          </a:fillRef>
+          <a:effectRef idx="1">
+            <a:schemeClr val="dk1"/>
+          </a:effectRef>
+          <a:fontRef idx="minor">
+            <a:schemeClr val="tx1"/>
+          </a:fontRef>
+        </p:style>
+      </p:cxnSp>
+      <p:cxnSp>
+        <p:nvCxnSpPr>
+          <p:cNvPr id="32" name="직선 화살표 연결선 31">
+            <a:extLst>
+              <a:ext uri="{FF2B5EF4-FFF2-40B4-BE49-F238E27FC236}">
+                <a16:creationId xmlns:a16="http://schemas.microsoft.com/office/drawing/2014/main" id="{65C9017B-686B-1676-B517-1984B81BA2DE}"/>
+              </a:ext>
+            </a:extLst>
+          </p:cNvPr>
+          <p:cNvCxnSpPr>
+            <a:cxnSpLocks/>
+            <a:stCxn id="22" idx="2"/>
+            <a:endCxn id="39" idx="0"/>
+          </p:cNvCxnSpPr>
+          <p:nvPr/>
+        </p:nvCxnSpPr>
+        <p:spPr>
+          <a:xfrm>
+            <a:off x="6910639" y="4024151"/>
+            <a:ext cx="0" cy="203472"/>
+          </a:xfrm>
+          <a:prstGeom prst="straightConnector1">
+            <a:avLst/>
+          </a:prstGeom>
+          <a:ln>
+            <a:tailEnd type="triangle"/>
+          </a:ln>
+        </p:spPr>
+        <p:style>
+          <a:lnRef idx="2">
+            <a:schemeClr val="dk1"/>
+          </a:lnRef>
+          <a:fillRef idx="0">
+            <a:schemeClr val="dk1"/>
+          </a:fillRef>
+          <a:effectRef idx="1">
+            <a:schemeClr val="dk1"/>
+          </a:effectRef>
+          <a:fontRef idx="minor">
+            <a:schemeClr val="tx1"/>
+          </a:fontRef>
+        </p:style>
+      </p:cxnSp>
+      <p:sp>
+        <p:nvSpPr>
+          <p:cNvPr id="39" name="직사각형 38">
+            <a:extLst>
+              <a:ext uri="{FF2B5EF4-FFF2-40B4-BE49-F238E27FC236}">
+                <a16:creationId xmlns:a16="http://schemas.microsoft.com/office/drawing/2014/main" id="{BB886715-1728-2B04-4777-A7564ACBAD33}"/>
+              </a:ext>
+            </a:extLst>
+          </p:cNvPr>
+          <p:cNvSpPr/>
+          <p:nvPr/>
+        </p:nvSpPr>
+        <p:spPr>
+          <a:xfrm>
+            <a:off x="6160146" y="4227623"/>
+            <a:ext cx="1500986" cy="547719"/>
+          </a:xfrm>
+          <a:prstGeom prst="rect">
+            <a:avLst/>
+          </a:prstGeom>
+        </p:spPr>
+        <p:style>
+          <a:lnRef idx="2">
+            <a:schemeClr val="accent4"/>
+          </a:lnRef>
+          <a:fillRef idx="1">
+            <a:schemeClr val="lt1"/>
+          </a:fillRef>
+          <a:effectRef idx="0">
+            <a:schemeClr val="accent4"/>
+          </a:effectRef>
+          <a:fontRef idx="minor">
+            <a:schemeClr val="dk1"/>
+          </a:fontRef>
+        </p:style>
+        <p:txBody>
+          <a:bodyPr rtlCol="0" anchor="ctr"/>
+          <a:lstStyle/>
+          <a:p>
+            <a:pPr algn="ctr"/>
+            <a:r>
+              <a:rPr lang="en-US" sz="1400" dirty="0">
+                <a:ln w="0"/>
+                <a:solidFill>
+                  <a:schemeClr val="tx1"/>
+                </a:solidFill>
+              </a:rPr>
+              <a:t>Query</a:t>
+            </a:r>
+          </a:p>
+        </p:txBody>
+      </p:sp>
+      <p:grpSp>
+        <p:nvGrpSpPr>
+          <p:cNvPr id="4" name="그룹 3">
+            <a:extLst>
+              <a:ext uri="{FF2B5EF4-FFF2-40B4-BE49-F238E27FC236}">
+                <a16:creationId xmlns:a16="http://schemas.microsoft.com/office/drawing/2014/main" id="{2FEBE50D-7911-C82C-6A0A-3096F2290020}"/>
+              </a:ext>
+            </a:extLst>
+          </p:cNvPr>
+          <p:cNvGrpSpPr/>
+          <p:nvPr/>
+        </p:nvGrpSpPr>
+        <p:grpSpPr>
+          <a:xfrm>
+            <a:off x="5110578" y="4068977"/>
+            <a:ext cx="374681" cy="514350"/>
+            <a:chOff x="7805854" y="1502707"/>
+            <a:chExt cx="883176" cy="1198858"/>
+          </a:xfrm>
+          <a:solidFill>
+            <a:schemeClr val="bg1"/>
+          </a:solidFill>
+        </p:grpSpPr>
+        <p:sp>
+          <p:nvSpPr>
+            <p:cNvPr id="5" name="이등변 삼각형 4">
+              <a:extLst>
+                <a:ext uri="{FF2B5EF4-FFF2-40B4-BE49-F238E27FC236}">
+                  <a16:creationId xmlns:a16="http://schemas.microsoft.com/office/drawing/2014/main" id="{90C5C1AC-7B91-9B41-97ED-CD952E7868F3}"/>
+                </a:ext>
+              </a:extLst>
+            </p:cNvPr>
+            <p:cNvSpPr/>
+            <p:nvPr/>
+          </p:nvSpPr>
+          <p:spPr>
+            <a:xfrm rot="5400000">
+              <a:off x="8089827" y="1305426"/>
+              <a:ext cx="399980" cy="798426"/>
+            </a:xfrm>
+            <a:prstGeom prst="triangle">
+              <a:avLst/>
+            </a:prstGeom>
+            <a:grpFill/>
+          </p:spPr>
+          <p:style>
+            <a:lnRef idx="2">
+              <a:schemeClr val="accent2">
+                <a:shade val="15000"/>
+              </a:schemeClr>
+            </a:lnRef>
+            <a:fillRef idx="1">
+              <a:schemeClr val="accent2"/>
+            </a:fillRef>
+            <a:effectRef idx="0">
+              <a:schemeClr val="accent2"/>
+            </a:effectRef>
+            <a:fontRef idx="minor">
+              <a:schemeClr val="lt1"/>
+            </a:fontRef>
+          </p:style>
+          <p:txBody>
+            <a:bodyPr rtlCol="0" anchor="ctr"/>
+            <a:lstStyle/>
+            <a:p>
+              <a:pPr algn="ctr"/>
+              <a:endParaRPr lang="ko-KR" altLang="en-US"/>
+            </a:p>
+          </p:txBody>
+        </p:sp>
+        <p:sp>
+          <p:nvSpPr>
+            <p:cNvPr id="13" name="직사각형 12">
+              <a:extLst>
+                <a:ext uri="{FF2B5EF4-FFF2-40B4-BE49-F238E27FC236}">
+                  <a16:creationId xmlns:a16="http://schemas.microsoft.com/office/drawing/2014/main" id="{D263A1F4-574E-70F1-E9BE-A02D4489DE7C}"/>
+                </a:ext>
+              </a:extLst>
+            </p:cNvPr>
+            <p:cNvSpPr/>
+            <p:nvPr/>
+          </p:nvSpPr>
+          <p:spPr>
+            <a:xfrm>
+              <a:off x="7805854" y="1502707"/>
+              <a:ext cx="84749" cy="1198858"/>
+            </a:xfrm>
+            <a:prstGeom prst="rect">
+              <a:avLst/>
+            </a:prstGeom>
+            <a:grpFill/>
+          </p:spPr>
+          <p:style>
+            <a:lnRef idx="2">
+              <a:schemeClr val="accent2">
+                <a:shade val="15000"/>
+              </a:schemeClr>
+            </a:lnRef>
+            <a:fillRef idx="1">
+              <a:schemeClr val="accent2"/>
+            </a:fillRef>
+            <a:effectRef idx="0">
+              <a:schemeClr val="accent2"/>
+            </a:effectRef>
+            <a:fontRef idx="minor">
+              <a:schemeClr val="lt1"/>
+            </a:fontRef>
+          </p:style>
+          <p:txBody>
+            <a:bodyPr rtlCol="0" anchor="ctr"/>
+            <a:lstStyle/>
+            <a:p>
+              <a:pPr algn="ctr"/>
+              <a:endParaRPr lang="ko-KR" altLang="en-US"/>
+            </a:p>
+          </p:txBody>
+        </p:sp>
+      </p:grpSp>
+      <p:sp>
+        <p:nvSpPr>
+          <p:cNvPr id="15" name="타원 14">
+            <a:extLst>
+              <a:ext uri="{FF2B5EF4-FFF2-40B4-BE49-F238E27FC236}">
+                <a16:creationId xmlns:a16="http://schemas.microsoft.com/office/drawing/2014/main" id="{90BA9BB0-9FF1-D8CB-BE45-FAF84E5E4DE2}"/>
+              </a:ext>
+            </a:extLst>
+          </p:cNvPr>
+          <p:cNvSpPr/>
+          <p:nvPr/>
+        </p:nvSpPr>
+        <p:spPr>
+          <a:xfrm>
+            <a:off x="8216076" y="3390400"/>
+            <a:ext cx="1368532" cy="797798"/>
+          </a:xfrm>
+          <a:prstGeom prst="ellipse">
+            <a:avLst/>
+          </a:prstGeom>
+          <a:ln>
+            <a:prstDash val="sysDot"/>
+          </a:ln>
+        </p:spPr>
+        <p:style>
+          <a:lnRef idx="2">
+            <a:schemeClr val="accent1"/>
+          </a:lnRef>
+          <a:fillRef idx="1">
+            <a:schemeClr val="lt1"/>
+          </a:fillRef>
+          <a:effectRef idx="0">
+            <a:schemeClr val="accent1"/>
+          </a:effectRef>
+          <a:fontRef idx="minor">
+            <a:schemeClr val="dk1"/>
+          </a:fontRef>
+        </p:style>
+        <p:txBody>
+          <a:bodyPr rtlCol="0" anchor="ctr"/>
+          <a:lstStyle/>
+          <a:p>
+            <a:pPr algn="ctr"/>
+            <a:r>
+              <a:rPr lang="en-US" dirty="0"/>
+              <a:t>worker</a:t>
+            </a:r>
+          </a:p>
+        </p:txBody>
+      </p:sp>
+      <p:sp>
+        <p:nvSpPr>
+          <p:cNvPr id="16" name="타원 15">
+            <a:extLst>
+              <a:ext uri="{FF2B5EF4-FFF2-40B4-BE49-F238E27FC236}">
+                <a16:creationId xmlns:a16="http://schemas.microsoft.com/office/drawing/2014/main" id="{690207F6-1B7C-E6FD-A432-C18F17EEB333}"/>
+              </a:ext>
+            </a:extLst>
+          </p:cNvPr>
+          <p:cNvSpPr/>
+          <p:nvPr/>
+        </p:nvSpPr>
+        <p:spPr>
+          <a:xfrm>
+            <a:off x="8200886" y="4421747"/>
+            <a:ext cx="1368532" cy="797798"/>
+          </a:xfrm>
+          <a:prstGeom prst="ellipse">
+            <a:avLst/>
+          </a:prstGeom>
+          <a:ln>
+            <a:prstDash val="sysDot"/>
+          </a:ln>
+        </p:spPr>
+        <p:style>
+          <a:lnRef idx="2">
+            <a:schemeClr val="accent1"/>
+          </a:lnRef>
+          <a:fillRef idx="1">
+            <a:schemeClr val="lt1"/>
+          </a:fillRef>
+          <a:effectRef idx="0">
+            <a:schemeClr val="accent1"/>
+          </a:effectRef>
+          <a:fontRef idx="minor">
+            <a:schemeClr val="dk1"/>
+          </a:fontRef>
+        </p:style>
+        <p:txBody>
+          <a:bodyPr rtlCol="0" anchor="ctr"/>
+          <a:lstStyle/>
+          <a:p>
+            <a:pPr algn="ctr"/>
+            <a:r>
+              <a:rPr lang="en-US" dirty="0"/>
+              <a:t>worker</a:t>
+            </a:r>
+          </a:p>
+        </p:txBody>
+      </p:sp>
+    </p:spTree>
+    <p:extLst>
+      <p:ext uri="{BB962C8B-B14F-4D97-AF65-F5344CB8AC3E}">
+        <p14:creationId xmlns:p14="http://schemas.microsoft.com/office/powerpoint/2010/main" val="1315665318"/>
       </p:ext>
     </p:extLst>
   </p:cSld>
